--- a/assets/labs/producer/overview.pptx
+++ b/assets/labs/producer/overview.pptx
@@ -5435,6 +5435,1070 @@
           </a:fontRef>
         </p:style>
       </p:cxnSp>
+      <p:grpSp>
+        <p:nvGrpSpPr>
+          <p:cNvPr id="51" name="Group 50">
+            <a:extLst>
+              <a:ext uri="{FF2B5EF4-FFF2-40B4-BE49-F238E27FC236}">
+                <a16:creationId xmlns:a16="http://schemas.microsoft.com/office/drawing/2014/main" id="{EA095286-6F04-402E-A574-0D0A9C804B66}"/>
+              </a:ext>
+            </a:extLst>
+          </p:cNvPr>
+          <p:cNvGrpSpPr/>
+          <p:nvPr/>
+        </p:nvGrpSpPr>
+        <p:grpSpPr>
+          <a:xfrm rot="16200000">
+            <a:off x="8878404" y="4676644"/>
+            <a:ext cx="463573" cy="1878227"/>
+            <a:chOff x="3519488" y="2248929"/>
+            <a:chExt cx="463573" cy="1878227"/>
+          </a:xfrm>
+        </p:grpSpPr>
+        <p:sp>
+          <p:nvSpPr>
+            <p:cNvPr id="52" name="Rectangle 51">
+              <a:extLst>
+                <a:ext uri="{FF2B5EF4-FFF2-40B4-BE49-F238E27FC236}">
+                  <a16:creationId xmlns:a16="http://schemas.microsoft.com/office/drawing/2014/main" id="{BDC6B24C-4A9F-40FC-B165-2E9542F2E980}"/>
+                </a:ext>
+              </a:extLst>
+            </p:cNvPr>
+            <p:cNvSpPr/>
+            <p:nvPr/>
+          </p:nvSpPr>
+          <p:spPr>
+            <a:xfrm>
+              <a:off x="3525794" y="2248929"/>
+              <a:ext cx="428368" cy="1878227"/>
+            </a:xfrm>
+            <a:prstGeom prst="rect">
+              <a:avLst/>
+            </a:prstGeom>
+          </p:spPr>
+          <p:style>
+            <a:lnRef idx="2">
+              <a:schemeClr val="accent4">
+                <a:shade val="50000"/>
+              </a:schemeClr>
+            </a:lnRef>
+            <a:fillRef idx="1">
+              <a:schemeClr val="accent4"/>
+            </a:fillRef>
+            <a:effectRef idx="0">
+              <a:schemeClr val="accent4"/>
+            </a:effectRef>
+            <a:fontRef idx="minor">
+              <a:schemeClr val="lt1"/>
+            </a:fontRef>
+          </p:style>
+          <p:txBody>
+            <a:bodyPr rtlCol="0" anchor="ctr"/>
+            <a:lstStyle/>
+            <a:p>
+              <a:pPr algn="ctr"/>
+              <a:endParaRPr lang="en-CA"/>
+            </a:p>
+          </p:txBody>
+        </p:sp>
+        <p:cxnSp>
+          <p:nvCxnSpPr>
+            <p:cNvPr id="53" name="Straight Connector 52">
+              <a:extLst>
+                <a:ext uri="{FF2B5EF4-FFF2-40B4-BE49-F238E27FC236}">
+                  <a16:creationId xmlns:a16="http://schemas.microsoft.com/office/drawing/2014/main" id="{241F9F6F-CA20-4F3E-9696-3DD77A1F8766}"/>
+                </a:ext>
+              </a:extLst>
+            </p:cNvPr>
+            <p:cNvCxnSpPr/>
+            <p:nvPr/>
+          </p:nvCxnSpPr>
+          <p:spPr>
+            <a:xfrm>
+              <a:off x="3519488" y="2390775"/>
+              <a:ext cx="438150" cy="0"/>
+            </a:xfrm>
+            <a:prstGeom prst="line">
+              <a:avLst/>
+            </a:prstGeom>
+            <a:ln>
+              <a:solidFill>
+                <a:schemeClr val="accent4">
+                  <a:lumMod val="75000"/>
+                </a:schemeClr>
+              </a:solidFill>
+            </a:ln>
+          </p:spPr>
+          <p:style>
+            <a:lnRef idx="3">
+              <a:schemeClr val="accent4"/>
+            </a:lnRef>
+            <a:fillRef idx="0">
+              <a:schemeClr val="accent4"/>
+            </a:fillRef>
+            <a:effectRef idx="2">
+              <a:schemeClr val="accent4"/>
+            </a:effectRef>
+            <a:fontRef idx="minor">
+              <a:schemeClr val="tx1"/>
+            </a:fontRef>
+          </p:style>
+        </p:cxnSp>
+        <p:cxnSp>
+          <p:nvCxnSpPr>
+            <p:cNvPr id="54" name="Straight Connector 53">
+              <a:extLst>
+                <a:ext uri="{FF2B5EF4-FFF2-40B4-BE49-F238E27FC236}">
+                  <a16:creationId xmlns:a16="http://schemas.microsoft.com/office/drawing/2014/main" id="{D179097F-3FC0-40CC-BFEF-EBBE53067199}"/>
+                </a:ext>
+              </a:extLst>
+            </p:cNvPr>
+            <p:cNvCxnSpPr/>
+            <p:nvPr/>
+          </p:nvCxnSpPr>
+          <p:spPr>
+            <a:xfrm>
+              <a:off x="3524251" y="2543175"/>
+              <a:ext cx="438150" cy="0"/>
+            </a:xfrm>
+            <a:prstGeom prst="line">
+              <a:avLst/>
+            </a:prstGeom>
+            <a:ln>
+              <a:solidFill>
+                <a:schemeClr val="accent4">
+                  <a:lumMod val="75000"/>
+                </a:schemeClr>
+              </a:solidFill>
+            </a:ln>
+          </p:spPr>
+          <p:style>
+            <a:lnRef idx="3">
+              <a:schemeClr val="accent4"/>
+            </a:lnRef>
+            <a:fillRef idx="0">
+              <a:schemeClr val="accent4"/>
+            </a:fillRef>
+            <a:effectRef idx="2">
+              <a:schemeClr val="accent4"/>
+            </a:effectRef>
+            <a:fontRef idx="minor">
+              <a:schemeClr val="tx1"/>
+            </a:fontRef>
+          </p:style>
+        </p:cxnSp>
+        <p:cxnSp>
+          <p:nvCxnSpPr>
+            <p:cNvPr id="55" name="Straight Connector 54">
+              <a:extLst>
+                <a:ext uri="{FF2B5EF4-FFF2-40B4-BE49-F238E27FC236}">
+                  <a16:creationId xmlns:a16="http://schemas.microsoft.com/office/drawing/2014/main" id="{624446FB-7992-479D-A838-C9F1668C8080}"/>
+                </a:ext>
+              </a:extLst>
+            </p:cNvPr>
+            <p:cNvCxnSpPr/>
+            <p:nvPr/>
+          </p:nvCxnSpPr>
+          <p:spPr>
+            <a:xfrm>
+              <a:off x="3519488" y="2705100"/>
+              <a:ext cx="438150" cy="0"/>
+            </a:xfrm>
+            <a:prstGeom prst="line">
+              <a:avLst/>
+            </a:prstGeom>
+            <a:ln>
+              <a:solidFill>
+                <a:schemeClr val="accent4">
+                  <a:lumMod val="75000"/>
+                </a:schemeClr>
+              </a:solidFill>
+            </a:ln>
+          </p:spPr>
+          <p:style>
+            <a:lnRef idx="3">
+              <a:schemeClr val="accent4"/>
+            </a:lnRef>
+            <a:fillRef idx="0">
+              <a:schemeClr val="accent4"/>
+            </a:fillRef>
+            <a:effectRef idx="2">
+              <a:schemeClr val="accent4"/>
+            </a:effectRef>
+            <a:fontRef idx="minor">
+              <a:schemeClr val="tx1"/>
+            </a:fontRef>
+          </p:style>
+        </p:cxnSp>
+        <p:cxnSp>
+          <p:nvCxnSpPr>
+            <p:cNvPr id="56" name="Straight Connector 55">
+              <a:extLst>
+                <a:ext uri="{FF2B5EF4-FFF2-40B4-BE49-F238E27FC236}">
+                  <a16:creationId xmlns:a16="http://schemas.microsoft.com/office/drawing/2014/main" id="{59DF4CAB-2336-47C8-BC49-8B0E955AA4EC}"/>
+                </a:ext>
+              </a:extLst>
+            </p:cNvPr>
+            <p:cNvCxnSpPr/>
+            <p:nvPr/>
+          </p:nvCxnSpPr>
+          <p:spPr>
+            <a:xfrm>
+              <a:off x="3519488" y="2857500"/>
+              <a:ext cx="438150" cy="0"/>
+            </a:xfrm>
+            <a:prstGeom prst="line">
+              <a:avLst/>
+            </a:prstGeom>
+            <a:ln>
+              <a:solidFill>
+                <a:schemeClr val="accent4">
+                  <a:lumMod val="75000"/>
+                </a:schemeClr>
+              </a:solidFill>
+            </a:ln>
+          </p:spPr>
+          <p:style>
+            <a:lnRef idx="3">
+              <a:schemeClr val="accent4"/>
+            </a:lnRef>
+            <a:fillRef idx="0">
+              <a:schemeClr val="accent4"/>
+            </a:fillRef>
+            <a:effectRef idx="2">
+              <a:schemeClr val="accent4"/>
+            </a:effectRef>
+            <a:fontRef idx="minor">
+              <a:schemeClr val="tx1"/>
+            </a:fontRef>
+          </p:style>
+        </p:cxnSp>
+        <p:cxnSp>
+          <p:nvCxnSpPr>
+            <p:cNvPr id="57" name="Straight Connector 56">
+              <a:extLst>
+                <a:ext uri="{FF2B5EF4-FFF2-40B4-BE49-F238E27FC236}">
+                  <a16:creationId xmlns:a16="http://schemas.microsoft.com/office/drawing/2014/main" id="{1F6A6617-FE50-424B-9ADC-3C2C64C53133}"/>
+                </a:ext>
+              </a:extLst>
+            </p:cNvPr>
+            <p:cNvCxnSpPr/>
+            <p:nvPr/>
+          </p:nvCxnSpPr>
+          <p:spPr>
+            <a:xfrm>
+              <a:off x="3519488" y="3014663"/>
+              <a:ext cx="438150" cy="0"/>
+            </a:xfrm>
+            <a:prstGeom prst="line">
+              <a:avLst/>
+            </a:prstGeom>
+            <a:ln>
+              <a:solidFill>
+                <a:schemeClr val="accent4">
+                  <a:lumMod val="75000"/>
+                </a:schemeClr>
+              </a:solidFill>
+            </a:ln>
+          </p:spPr>
+          <p:style>
+            <a:lnRef idx="3">
+              <a:schemeClr val="accent4"/>
+            </a:lnRef>
+            <a:fillRef idx="0">
+              <a:schemeClr val="accent4"/>
+            </a:fillRef>
+            <a:effectRef idx="2">
+              <a:schemeClr val="accent4"/>
+            </a:effectRef>
+            <a:fontRef idx="minor">
+              <a:schemeClr val="tx1"/>
+            </a:fontRef>
+          </p:style>
+        </p:cxnSp>
+        <p:cxnSp>
+          <p:nvCxnSpPr>
+            <p:cNvPr id="58" name="Straight Connector 57">
+              <a:extLst>
+                <a:ext uri="{FF2B5EF4-FFF2-40B4-BE49-F238E27FC236}">
+                  <a16:creationId xmlns:a16="http://schemas.microsoft.com/office/drawing/2014/main" id="{4FBD80F3-D21C-4811-8DFB-627A33866429}"/>
+                </a:ext>
+              </a:extLst>
+            </p:cNvPr>
+            <p:cNvCxnSpPr/>
+            <p:nvPr/>
+          </p:nvCxnSpPr>
+          <p:spPr>
+            <a:xfrm>
+              <a:off x="3519488" y="3167063"/>
+              <a:ext cx="438150" cy="0"/>
+            </a:xfrm>
+            <a:prstGeom prst="line">
+              <a:avLst/>
+            </a:prstGeom>
+            <a:ln>
+              <a:solidFill>
+                <a:schemeClr val="accent4">
+                  <a:lumMod val="75000"/>
+                </a:schemeClr>
+              </a:solidFill>
+            </a:ln>
+          </p:spPr>
+          <p:style>
+            <a:lnRef idx="3">
+              <a:schemeClr val="accent4"/>
+            </a:lnRef>
+            <a:fillRef idx="0">
+              <a:schemeClr val="accent4"/>
+            </a:fillRef>
+            <a:effectRef idx="2">
+              <a:schemeClr val="accent4"/>
+            </a:effectRef>
+            <a:fontRef idx="minor">
+              <a:schemeClr val="tx1"/>
+            </a:fontRef>
+          </p:style>
+        </p:cxnSp>
+        <p:cxnSp>
+          <p:nvCxnSpPr>
+            <p:cNvPr id="59" name="Straight Connector 58">
+              <a:extLst>
+                <a:ext uri="{FF2B5EF4-FFF2-40B4-BE49-F238E27FC236}">
+                  <a16:creationId xmlns:a16="http://schemas.microsoft.com/office/drawing/2014/main" id="{AA3B8559-0409-4F61-9138-39A338ECFB45}"/>
+                </a:ext>
+              </a:extLst>
+            </p:cNvPr>
+            <p:cNvCxnSpPr/>
+            <p:nvPr/>
+          </p:nvCxnSpPr>
+          <p:spPr>
+            <a:xfrm>
+              <a:off x="3519488" y="3319463"/>
+              <a:ext cx="438150" cy="0"/>
+            </a:xfrm>
+            <a:prstGeom prst="line">
+              <a:avLst/>
+            </a:prstGeom>
+            <a:ln>
+              <a:solidFill>
+                <a:schemeClr val="accent4">
+                  <a:lumMod val="75000"/>
+                </a:schemeClr>
+              </a:solidFill>
+            </a:ln>
+          </p:spPr>
+          <p:style>
+            <a:lnRef idx="3">
+              <a:schemeClr val="accent4"/>
+            </a:lnRef>
+            <a:fillRef idx="0">
+              <a:schemeClr val="accent4"/>
+            </a:fillRef>
+            <a:effectRef idx="2">
+              <a:schemeClr val="accent4"/>
+            </a:effectRef>
+            <a:fontRef idx="minor">
+              <a:schemeClr val="tx1"/>
+            </a:fontRef>
+          </p:style>
+        </p:cxnSp>
+        <p:cxnSp>
+          <p:nvCxnSpPr>
+            <p:cNvPr id="60" name="Straight Connector 59">
+              <a:extLst>
+                <a:ext uri="{FF2B5EF4-FFF2-40B4-BE49-F238E27FC236}">
+                  <a16:creationId xmlns:a16="http://schemas.microsoft.com/office/drawing/2014/main" id="{D67BC307-6357-4F45-9070-730A1E7FF9F2}"/>
+                </a:ext>
+              </a:extLst>
+            </p:cNvPr>
+            <p:cNvCxnSpPr/>
+            <p:nvPr/>
+          </p:nvCxnSpPr>
+          <p:spPr>
+            <a:xfrm>
+              <a:off x="3519488" y="3471862"/>
+              <a:ext cx="438150" cy="0"/>
+            </a:xfrm>
+            <a:prstGeom prst="line">
+              <a:avLst/>
+            </a:prstGeom>
+            <a:ln>
+              <a:solidFill>
+                <a:schemeClr val="accent4">
+                  <a:lumMod val="75000"/>
+                </a:schemeClr>
+              </a:solidFill>
+            </a:ln>
+          </p:spPr>
+          <p:style>
+            <a:lnRef idx="3">
+              <a:schemeClr val="accent4"/>
+            </a:lnRef>
+            <a:fillRef idx="0">
+              <a:schemeClr val="accent4"/>
+            </a:fillRef>
+            <a:effectRef idx="2">
+              <a:schemeClr val="accent4"/>
+            </a:effectRef>
+            <a:fontRef idx="minor">
+              <a:schemeClr val="tx1"/>
+            </a:fontRef>
+          </p:style>
+        </p:cxnSp>
+        <p:cxnSp>
+          <p:nvCxnSpPr>
+            <p:cNvPr id="61" name="Straight Connector 60">
+              <a:extLst>
+                <a:ext uri="{FF2B5EF4-FFF2-40B4-BE49-F238E27FC236}">
+                  <a16:creationId xmlns:a16="http://schemas.microsoft.com/office/drawing/2014/main" id="{5FAC09F7-226A-4DB2-A65C-5CC4DDA1DBE5}"/>
+                </a:ext>
+              </a:extLst>
+            </p:cNvPr>
+            <p:cNvCxnSpPr/>
+            <p:nvPr/>
+          </p:nvCxnSpPr>
+          <p:spPr>
+            <a:xfrm>
+              <a:off x="3519488" y="3624263"/>
+              <a:ext cx="438150" cy="0"/>
+            </a:xfrm>
+            <a:prstGeom prst="line">
+              <a:avLst/>
+            </a:prstGeom>
+            <a:ln>
+              <a:solidFill>
+                <a:schemeClr val="accent4">
+                  <a:lumMod val="75000"/>
+                </a:schemeClr>
+              </a:solidFill>
+            </a:ln>
+          </p:spPr>
+          <p:style>
+            <a:lnRef idx="3">
+              <a:schemeClr val="accent4"/>
+            </a:lnRef>
+            <a:fillRef idx="0">
+              <a:schemeClr val="accent4"/>
+            </a:fillRef>
+            <a:effectRef idx="2">
+              <a:schemeClr val="accent4"/>
+            </a:effectRef>
+            <a:fontRef idx="minor">
+              <a:schemeClr val="tx1"/>
+            </a:fontRef>
+          </p:style>
+        </p:cxnSp>
+        <p:sp>
+          <p:nvSpPr>
+            <p:cNvPr id="62" name="TextBox 61">
+              <a:extLst>
+                <a:ext uri="{FF2B5EF4-FFF2-40B4-BE49-F238E27FC236}">
+                  <a16:creationId xmlns:a16="http://schemas.microsoft.com/office/drawing/2014/main" id="{2E6FA898-2417-4748-A0BF-E735E7319463}"/>
+                </a:ext>
+              </a:extLst>
+            </p:cNvPr>
+            <p:cNvSpPr txBox="1"/>
+            <p:nvPr/>
+          </p:nvSpPr>
+          <p:spPr>
+            <a:xfrm rot="5400000">
+              <a:off x="3619500" y="3690938"/>
+              <a:ext cx="357790" cy="369332"/>
+            </a:xfrm>
+            <a:prstGeom prst="rect">
+              <a:avLst/>
+            </a:prstGeom>
+            <a:noFill/>
+          </p:spPr>
+          <p:txBody>
+            <a:bodyPr wrap="none" rtlCol="0">
+              <a:spAutoFit/>
+            </a:bodyPr>
+            <a:lstStyle/>
+            <a:p>
+              <a:r>
+                <a:rPr lang="en-CA">
+                  <a:solidFill>
+                    <a:schemeClr val="accent4">
+                      <a:lumMod val="75000"/>
+                    </a:schemeClr>
+                  </a:solidFill>
+                </a:rPr>
+                <a:t>...</a:t>
+              </a:r>
+            </a:p>
+          </p:txBody>
+        </p:sp>
+      </p:grpSp>
+      <p:sp>
+        <p:nvSpPr>
+          <p:cNvPr id="63" name="Oval 62">
+            <a:extLst>
+              <a:ext uri="{FF2B5EF4-FFF2-40B4-BE49-F238E27FC236}">
+                <a16:creationId xmlns:a16="http://schemas.microsoft.com/office/drawing/2014/main" id="{19740C34-9258-4425-A2E6-45547EFFA367}"/>
+              </a:ext>
+            </a:extLst>
+          </p:cNvPr>
+          <p:cNvSpPr/>
+          <p:nvPr/>
+        </p:nvSpPr>
+        <p:spPr>
+          <a:xfrm>
+            <a:off x="6422597" y="5334300"/>
+            <a:ext cx="1353326" cy="584886"/>
+          </a:xfrm>
+          <a:prstGeom prst="ellipse">
+            <a:avLst/>
+          </a:prstGeom>
+        </p:spPr>
+        <p:style>
+          <a:lnRef idx="1">
+            <a:schemeClr val="accent6"/>
+          </a:lnRef>
+          <a:fillRef idx="2">
+            <a:schemeClr val="accent6"/>
+          </a:fillRef>
+          <a:effectRef idx="1">
+            <a:schemeClr val="accent6"/>
+          </a:effectRef>
+          <a:fontRef idx="minor">
+            <a:schemeClr val="dk1"/>
+          </a:fontRef>
+        </p:style>
+        <p:txBody>
+          <a:bodyPr rtlCol="0" anchor="ctr"/>
+          <a:lstStyle/>
+          <a:p>
+            <a:pPr algn="ctr"/>
+            <a:r>
+              <a:rPr lang="en-CA" sz="1200"/>
+              <a:t>Producer</a:t>
+            </a:r>
+          </a:p>
+        </p:txBody>
+      </p:sp>
+      <p:sp>
+        <p:nvSpPr>
+          <p:cNvPr id="65" name="Oval 64">
+            <a:extLst>
+              <a:ext uri="{FF2B5EF4-FFF2-40B4-BE49-F238E27FC236}">
+                <a16:creationId xmlns:a16="http://schemas.microsoft.com/office/drawing/2014/main" id="{2839AC49-912F-477B-882A-264D8E4163F7}"/>
+              </a:ext>
+            </a:extLst>
+          </p:cNvPr>
+          <p:cNvSpPr/>
+          <p:nvPr/>
+        </p:nvSpPr>
+        <p:spPr>
+          <a:xfrm>
+            <a:off x="10451178" y="5334300"/>
+            <a:ext cx="1353326" cy="584886"/>
+          </a:xfrm>
+          <a:prstGeom prst="ellipse">
+            <a:avLst/>
+          </a:prstGeom>
+        </p:spPr>
+        <p:style>
+          <a:lnRef idx="1">
+            <a:schemeClr val="accent5"/>
+          </a:lnRef>
+          <a:fillRef idx="2">
+            <a:schemeClr val="accent5"/>
+          </a:fillRef>
+          <a:effectRef idx="1">
+            <a:schemeClr val="accent5"/>
+          </a:effectRef>
+          <a:fontRef idx="minor">
+            <a:schemeClr val="dk1"/>
+          </a:fontRef>
+        </p:style>
+        <p:txBody>
+          <a:bodyPr rtlCol="0" anchor="ctr"/>
+          <a:lstStyle/>
+          <a:p>
+            <a:pPr algn="ctr"/>
+            <a:r>
+              <a:rPr lang="en-CA" sz="1200"/>
+              <a:t>Consumer</a:t>
+            </a:r>
+          </a:p>
+        </p:txBody>
+      </p:sp>
+      <p:cxnSp>
+        <p:nvCxnSpPr>
+          <p:cNvPr id="3" name="Connector: Elbow 2">
+            <a:extLst>
+              <a:ext uri="{FF2B5EF4-FFF2-40B4-BE49-F238E27FC236}">
+                <a16:creationId xmlns:a16="http://schemas.microsoft.com/office/drawing/2014/main" id="{F2C81C9A-F5ED-4891-828D-797386532FEE}"/>
+              </a:ext>
+            </a:extLst>
+          </p:cNvPr>
+          <p:cNvCxnSpPr>
+            <a:stCxn id="63" idx="6"/>
+            <a:endCxn id="52" idx="0"/>
+          </p:cNvCxnSpPr>
+          <p:nvPr/>
+        </p:nvCxnSpPr>
+        <p:spPr>
+          <a:xfrm>
+            <a:off x="7775923" y="5626743"/>
+            <a:ext cx="395155" cy="312"/>
+          </a:xfrm>
+          <a:prstGeom prst="bentConnector3">
+            <a:avLst/>
+          </a:prstGeom>
+          <a:ln>
+            <a:tailEnd type="triangle"/>
+          </a:ln>
+        </p:spPr>
+        <p:style>
+          <a:lnRef idx="1">
+            <a:schemeClr val="accent1"/>
+          </a:lnRef>
+          <a:fillRef idx="0">
+            <a:schemeClr val="accent1"/>
+          </a:fillRef>
+          <a:effectRef idx="0">
+            <a:schemeClr val="accent1"/>
+          </a:effectRef>
+          <a:fontRef idx="minor">
+            <a:schemeClr val="tx1"/>
+          </a:fontRef>
+        </p:style>
+      </p:cxnSp>
+      <p:cxnSp>
+        <p:nvCxnSpPr>
+          <p:cNvPr id="6" name="Straight Arrow Connector 5">
+            <a:extLst>
+              <a:ext uri="{FF2B5EF4-FFF2-40B4-BE49-F238E27FC236}">
+                <a16:creationId xmlns:a16="http://schemas.microsoft.com/office/drawing/2014/main" id="{C2B3CD30-0E5E-47F8-9DF4-92FFDDEB9C80}"/>
+              </a:ext>
+            </a:extLst>
+          </p:cNvPr>
+          <p:cNvCxnSpPr>
+            <a:stCxn id="52" idx="2"/>
+            <a:endCxn id="65" idx="2"/>
+          </p:cNvCxnSpPr>
+          <p:nvPr/>
+        </p:nvCxnSpPr>
+        <p:spPr>
+          <a:xfrm flipV="1">
+            <a:off x="10049305" y="5626743"/>
+            <a:ext cx="401873" cy="312"/>
+          </a:xfrm>
+          <a:prstGeom prst="straightConnector1">
+            <a:avLst/>
+          </a:prstGeom>
+          <a:ln>
+            <a:tailEnd type="triangle"/>
+          </a:ln>
+        </p:spPr>
+        <p:style>
+          <a:lnRef idx="1">
+            <a:schemeClr val="accent1"/>
+          </a:lnRef>
+          <a:fillRef idx="0">
+            <a:schemeClr val="accent1"/>
+          </a:fillRef>
+          <a:effectRef idx="0">
+            <a:schemeClr val="accent1"/>
+          </a:effectRef>
+          <a:fontRef idx="minor">
+            <a:schemeClr val="tx1"/>
+          </a:fontRef>
+        </p:style>
+      </p:cxnSp>
+      <p:sp>
+        <p:nvSpPr>
+          <p:cNvPr id="70" name="Oval 69">
+            <a:extLst>
+              <a:ext uri="{FF2B5EF4-FFF2-40B4-BE49-F238E27FC236}">
+                <a16:creationId xmlns:a16="http://schemas.microsoft.com/office/drawing/2014/main" id="{7B9D5149-23D4-41B7-98DA-6EA7607093F9}"/>
+              </a:ext>
+            </a:extLst>
+          </p:cNvPr>
+          <p:cNvSpPr/>
+          <p:nvPr/>
+        </p:nvSpPr>
+        <p:spPr>
+          <a:xfrm>
+            <a:off x="6422500" y="4585000"/>
+            <a:ext cx="1353326" cy="584886"/>
+          </a:xfrm>
+          <a:prstGeom prst="ellipse">
+            <a:avLst/>
+          </a:prstGeom>
+        </p:spPr>
+        <p:style>
+          <a:lnRef idx="1">
+            <a:schemeClr val="accent6"/>
+          </a:lnRef>
+          <a:fillRef idx="2">
+            <a:schemeClr val="accent6"/>
+          </a:fillRef>
+          <a:effectRef idx="1">
+            <a:schemeClr val="accent6"/>
+          </a:effectRef>
+          <a:fontRef idx="minor">
+            <a:schemeClr val="dk1"/>
+          </a:fontRef>
+        </p:style>
+        <p:txBody>
+          <a:bodyPr rtlCol="0" anchor="ctr"/>
+          <a:lstStyle/>
+          <a:p>
+            <a:pPr algn="ctr"/>
+            <a:r>
+              <a:rPr lang="en-CA" sz="1200"/>
+              <a:t>Producer</a:t>
+            </a:r>
+          </a:p>
+        </p:txBody>
+      </p:sp>
+      <p:cxnSp>
+        <p:nvCxnSpPr>
+          <p:cNvPr id="10" name="Connector: Elbow 9">
+            <a:extLst>
+              <a:ext uri="{FF2B5EF4-FFF2-40B4-BE49-F238E27FC236}">
+                <a16:creationId xmlns:a16="http://schemas.microsoft.com/office/drawing/2014/main" id="{71F2488C-7343-4095-939A-13D95D4FF9B7}"/>
+              </a:ext>
+            </a:extLst>
+          </p:cNvPr>
+          <p:cNvCxnSpPr>
+            <a:stCxn id="70" idx="6"/>
+            <a:endCxn id="52" idx="0"/>
+          </p:cNvCxnSpPr>
+          <p:nvPr/>
+        </p:nvCxnSpPr>
+        <p:spPr>
+          <a:xfrm>
+            <a:off x="7775826" y="4877443"/>
+            <a:ext cx="395252" cy="749612"/>
+          </a:xfrm>
+          <a:prstGeom prst="bentConnector3">
+            <a:avLst/>
+          </a:prstGeom>
+          <a:ln>
+            <a:tailEnd type="triangle"/>
+          </a:ln>
+        </p:spPr>
+        <p:style>
+          <a:lnRef idx="1">
+            <a:schemeClr val="accent1"/>
+          </a:lnRef>
+          <a:fillRef idx="0">
+            <a:schemeClr val="accent1"/>
+          </a:fillRef>
+          <a:effectRef idx="0">
+            <a:schemeClr val="accent1"/>
+          </a:effectRef>
+          <a:fontRef idx="minor">
+            <a:schemeClr val="tx1"/>
+          </a:fontRef>
+        </p:style>
+      </p:cxnSp>
+      <p:sp>
+        <p:nvSpPr>
+          <p:cNvPr id="73" name="Oval 72">
+            <a:extLst>
+              <a:ext uri="{FF2B5EF4-FFF2-40B4-BE49-F238E27FC236}">
+                <a16:creationId xmlns:a16="http://schemas.microsoft.com/office/drawing/2014/main" id="{B325A5F0-0863-4500-AB32-BE6DC34249C7}"/>
+              </a:ext>
+            </a:extLst>
+          </p:cNvPr>
+          <p:cNvSpPr/>
+          <p:nvPr/>
+        </p:nvSpPr>
+        <p:spPr>
+          <a:xfrm>
+            <a:off x="6422500" y="6096300"/>
+            <a:ext cx="1353326" cy="584886"/>
+          </a:xfrm>
+          <a:prstGeom prst="ellipse">
+            <a:avLst/>
+          </a:prstGeom>
+        </p:spPr>
+        <p:style>
+          <a:lnRef idx="1">
+            <a:schemeClr val="accent6"/>
+          </a:lnRef>
+          <a:fillRef idx="2">
+            <a:schemeClr val="accent6"/>
+          </a:fillRef>
+          <a:effectRef idx="1">
+            <a:schemeClr val="accent6"/>
+          </a:effectRef>
+          <a:fontRef idx="minor">
+            <a:schemeClr val="dk1"/>
+          </a:fontRef>
+        </p:style>
+        <p:txBody>
+          <a:bodyPr rtlCol="0" anchor="ctr"/>
+          <a:lstStyle/>
+          <a:p>
+            <a:pPr algn="ctr"/>
+            <a:r>
+              <a:rPr lang="en-CA" sz="1200"/>
+              <a:t>Producer</a:t>
+            </a:r>
+          </a:p>
+        </p:txBody>
+      </p:sp>
+      <p:cxnSp>
+        <p:nvCxnSpPr>
+          <p:cNvPr id="18" name="Connector: Elbow 17">
+            <a:extLst>
+              <a:ext uri="{FF2B5EF4-FFF2-40B4-BE49-F238E27FC236}">
+                <a16:creationId xmlns:a16="http://schemas.microsoft.com/office/drawing/2014/main" id="{6EE5A153-1CE5-4B39-AEDD-5E3E0D572A58}"/>
+              </a:ext>
+            </a:extLst>
+          </p:cNvPr>
+          <p:cNvCxnSpPr>
+            <a:stCxn id="73" idx="6"/>
+            <a:endCxn id="52" idx="0"/>
+          </p:cNvCxnSpPr>
+          <p:nvPr/>
+        </p:nvCxnSpPr>
+        <p:spPr>
+          <a:xfrm flipV="1">
+            <a:off x="7775826" y="5627055"/>
+            <a:ext cx="395252" cy="761688"/>
+          </a:xfrm>
+          <a:prstGeom prst="bentConnector3">
+            <a:avLst/>
+          </a:prstGeom>
+          <a:ln>
+            <a:tailEnd type="triangle"/>
+          </a:ln>
+        </p:spPr>
+        <p:style>
+          <a:lnRef idx="1">
+            <a:schemeClr val="accent1"/>
+          </a:lnRef>
+          <a:fillRef idx="0">
+            <a:schemeClr val="accent1"/>
+          </a:fillRef>
+          <a:effectRef idx="0">
+            <a:schemeClr val="accent1"/>
+          </a:effectRef>
+          <a:fontRef idx="minor">
+            <a:schemeClr val="tx1"/>
+          </a:fontRef>
+        </p:style>
+      </p:cxnSp>
+      <p:sp>
+        <p:nvSpPr>
+          <p:cNvPr id="76" name="Oval 75">
+            <a:extLst>
+              <a:ext uri="{FF2B5EF4-FFF2-40B4-BE49-F238E27FC236}">
+                <a16:creationId xmlns:a16="http://schemas.microsoft.com/office/drawing/2014/main" id="{FD1242EE-397D-46F3-8093-1007688F492F}"/>
+              </a:ext>
+            </a:extLst>
+          </p:cNvPr>
+          <p:cNvSpPr/>
+          <p:nvPr/>
+        </p:nvSpPr>
+        <p:spPr>
+          <a:xfrm>
+            <a:off x="10451000" y="4586400"/>
+            <a:ext cx="1353326" cy="584886"/>
+          </a:xfrm>
+          <a:prstGeom prst="ellipse">
+            <a:avLst/>
+          </a:prstGeom>
+        </p:spPr>
+        <p:style>
+          <a:lnRef idx="1">
+            <a:schemeClr val="accent5"/>
+          </a:lnRef>
+          <a:fillRef idx="2">
+            <a:schemeClr val="accent5"/>
+          </a:fillRef>
+          <a:effectRef idx="1">
+            <a:schemeClr val="accent5"/>
+          </a:effectRef>
+          <a:fontRef idx="minor">
+            <a:schemeClr val="dk1"/>
+          </a:fontRef>
+        </p:style>
+        <p:txBody>
+          <a:bodyPr rtlCol="0" anchor="ctr"/>
+          <a:lstStyle/>
+          <a:p>
+            <a:pPr algn="ctr"/>
+            <a:r>
+              <a:rPr lang="en-CA" sz="1200"/>
+              <a:t>Consumer</a:t>
+            </a:r>
+          </a:p>
+        </p:txBody>
+      </p:sp>
+      <p:sp>
+        <p:nvSpPr>
+          <p:cNvPr id="77" name="Oval 76">
+            <a:extLst>
+              <a:ext uri="{FF2B5EF4-FFF2-40B4-BE49-F238E27FC236}">
+                <a16:creationId xmlns:a16="http://schemas.microsoft.com/office/drawing/2014/main" id="{D50D2666-D188-4074-87C4-8771685463F8}"/>
+              </a:ext>
+            </a:extLst>
+          </p:cNvPr>
+          <p:cNvSpPr/>
+          <p:nvPr/>
+        </p:nvSpPr>
+        <p:spPr>
+          <a:xfrm>
+            <a:off x="10451000" y="6094800"/>
+            <a:ext cx="1353326" cy="584886"/>
+          </a:xfrm>
+          <a:prstGeom prst="ellipse">
+            <a:avLst/>
+          </a:prstGeom>
+        </p:spPr>
+        <p:style>
+          <a:lnRef idx="1">
+            <a:schemeClr val="accent5"/>
+          </a:lnRef>
+          <a:fillRef idx="2">
+            <a:schemeClr val="accent5"/>
+          </a:fillRef>
+          <a:effectRef idx="1">
+            <a:schemeClr val="accent5"/>
+          </a:effectRef>
+          <a:fontRef idx="minor">
+            <a:schemeClr val="dk1"/>
+          </a:fontRef>
+        </p:style>
+        <p:txBody>
+          <a:bodyPr rtlCol="0" anchor="ctr"/>
+          <a:lstStyle/>
+          <a:p>
+            <a:pPr algn="ctr"/>
+            <a:r>
+              <a:rPr lang="en-CA" sz="1200"/>
+              <a:t>Consumer</a:t>
+            </a:r>
+          </a:p>
+        </p:txBody>
+      </p:sp>
+      <p:cxnSp>
+        <p:nvCxnSpPr>
+          <p:cNvPr id="45" name="Connector: Elbow 44">
+            <a:extLst>
+              <a:ext uri="{FF2B5EF4-FFF2-40B4-BE49-F238E27FC236}">
+                <a16:creationId xmlns:a16="http://schemas.microsoft.com/office/drawing/2014/main" id="{EBC4CB82-979E-4A7F-8CC7-C0768BA40D5C}"/>
+              </a:ext>
+            </a:extLst>
+          </p:cNvPr>
+          <p:cNvCxnSpPr>
+            <a:stCxn id="52" idx="2"/>
+            <a:endCxn id="76" idx="2"/>
+          </p:cNvCxnSpPr>
+          <p:nvPr/>
+        </p:nvCxnSpPr>
+        <p:spPr>
+          <a:xfrm flipV="1">
+            <a:off x="10049305" y="4878843"/>
+            <a:ext cx="401695" cy="748212"/>
+          </a:xfrm>
+          <a:prstGeom prst="bentConnector3">
+            <a:avLst/>
+          </a:prstGeom>
+          <a:ln>
+            <a:tailEnd type="triangle"/>
+          </a:ln>
+        </p:spPr>
+        <p:style>
+          <a:lnRef idx="1">
+            <a:schemeClr val="accent1"/>
+          </a:lnRef>
+          <a:fillRef idx="0">
+            <a:schemeClr val="accent1"/>
+          </a:fillRef>
+          <a:effectRef idx="0">
+            <a:schemeClr val="accent1"/>
+          </a:effectRef>
+          <a:fontRef idx="minor">
+            <a:schemeClr val="tx1"/>
+          </a:fontRef>
+        </p:style>
+      </p:cxnSp>
+      <p:cxnSp>
+        <p:nvCxnSpPr>
+          <p:cNvPr id="47" name="Connector: Elbow 46">
+            <a:extLst>
+              <a:ext uri="{FF2B5EF4-FFF2-40B4-BE49-F238E27FC236}">
+                <a16:creationId xmlns:a16="http://schemas.microsoft.com/office/drawing/2014/main" id="{DEEAEE2C-7EB7-4A41-847D-B23C3B793396}"/>
+              </a:ext>
+            </a:extLst>
+          </p:cNvPr>
+          <p:cNvCxnSpPr>
+            <a:stCxn id="52" idx="2"/>
+            <a:endCxn id="77" idx="2"/>
+          </p:cNvCxnSpPr>
+          <p:nvPr/>
+        </p:nvCxnSpPr>
+        <p:spPr>
+          <a:xfrm>
+            <a:off x="10049305" y="5627055"/>
+            <a:ext cx="401695" cy="760188"/>
+          </a:xfrm>
+          <a:prstGeom prst="bentConnector3">
+            <a:avLst/>
+          </a:prstGeom>
+          <a:ln>
+            <a:tailEnd type="triangle"/>
+          </a:ln>
+        </p:spPr>
+        <p:style>
+          <a:lnRef idx="1">
+            <a:schemeClr val="accent1"/>
+          </a:lnRef>
+          <a:fillRef idx="0">
+            <a:schemeClr val="accent1"/>
+          </a:fillRef>
+          <a:effectRef idx="0">
+            <a:schemeClr val="accent1"/>
+          </a:effectRef>
+          <a:fontRef idx="minor">
+            <a:schemeClr val="tx1"/>
+          </a:fontRef>
+        </p:style>
+      </p:cxnSp>
+      <p:sp>
+        <p:nvSpPr>
+          <p:cNvPr id="48" name="TextBox 47">
+            <a:extLst>
+              <a:ext uri="{FF2B5EF4-FFF2-40B4-BE49-F238E27FC236}">
+                <a16:creationId xmlns:a16="http://schemas.microsoft.com/office/drawing/2014/main" id="{FDACE704-C1C7-46B9-ADA2-BAD431BF748E}"/>
+              </a:ext>
+            </a:extLst>
+          </p:cNvPr>
+          <p:cNvSpPr txBox="1"/>
+          <p:nvPr/>
+        </p:nvSpPr>
+        <p:spPr>
+          <a:xfrm>
+            <a:off x="8808720" y="5143500"/>
+            <a:ext cx="603050" cy="276999"/>
+          </a:xfrm>
+          <a:prstGeom prst="rect">
+            <a:avLst/>
+          </a:prstGeom>
+          <a:noFill/>
+        </p:spPr>
+        <p:txBody>
+          <a:bodyPr wrap="none" rtlCol="0">
+            <a:spAutoFit/>
+          </a:bodyPr>
+          <a:lstStyle/>
+          <a:p>
+            <a:r>
+              <a:rPr lang="en-CA" sz="1200"/>
+              <a:t>Queue</a:t>
+            </a:r>
+          </a:p>
+        </p:txBody>
+      </p:sp>
     </p:spTree>
     <p:extLst>
       <p:ext uri="{BB962C8B-B14F-4D97-AF65-F5344CB8AC3E}">
